--- a/econ-135-5.3.1-afriasia-intro-video.pptx
+++ b/econ-135-5.3.1-afriasia-intro-video.pptx
@@ -14701,14 +14701,14 @@
       </p:sp>
       <p:sp>
         <p:nvSpPr>
-          <p:cNvPr id="394" name="&lt;&gt; &lt;https://www.icloud.com/keynote/0VezaUu7103MrY5-2QCzDH62Q&gt; 2021-04-19"/>
+          <p:cNvPr id="394" name="&lt;https://youtu.be/C3ZVyJVajxU&gt; &lt;https://github.com/braddelong/public-files/blob/master/econ-135-5.3.1-afriasia-intro-video.pptx&gt; &lt;https://www.icloud.com/keynote/0VezaUu7103MrY5-2QCzDH62Q&gt; 2021-04-19"/>
           <p:cNvSpPr txBox="1"/>
           <p:nvPr/>
         </p:nvSpPr>
         <p:spPr>
           <a:xfrm>
-            <a:off x="402606" y="13075927"/>
-            <a:ext cx="23622001" cy="640073"/>
+            <a:off x="381000" y="13202927"/>
+            <a:ext cx="23622000" cy="462273"/>
           </a:xfrm>
           <a:prstGeom prst="rect">
             <a:avLst/>
@@ -14732,7 +14732,7 @@
               <a:spcBef>
                 <a:spcPts val="1200"/>
               </a:spcBef>
-              <a:defRPr b="1" sz="3000">
+              <a:defRPr b="1" sz="1800">
                 <a:solidFill>
                   <a:srgbClr val="FFFFFF"/>
                 </a:solidFill>
@@ -14744,11 +14744,29 @@
               </a:defRPr>
             </a:pPr>
             <a:r>
-              <a:t>&lt;&gt; &lt;</a:t>
+              <a:t>&lt;</a:t>
             </a:r>
             <a:r>
               <a:rPr u="sng">
                 <a:hlinkClick r:id="rId7" invalidUrl="" action="" tgtFrame="" tooltip="" history="1" highlightClick="0" endSnd="0"/>
+              </a:rPr>
+              <a:t>https://youtu.be/C3ZVyJVajxU</a:t>
+            </a:r>
+            <a:r>
+              <a:t>&gt; &lt;</a:t>
+            </a:r>
+            <a:r>
+              <a:rPr u="sng">
+                <a:hlinkClick r:id="rId8" invalidUrl="" action="" tgtFrame="" tooltip="" history="1" highlightClick="0" endSnd="0"/>
+              </a:rPr>
+              <a:t>https://github.com/braddelong/public-files/blob/master/econ-135-5.3.1-afriasia-intro-video.pptx</a:t>
+            </a:r>
+            <a:r>
+              <a:t>&gt; &lt;</a:t>
+            </a:r>
+            <a:r>
+              <a:rPr u="sng">
+                <a:hlinkClick r:id="rId9" invalidUrl="" action="" tgtFrame="" tooltip="" history="1" highlightClick="0" endSnd="0"/>
               </a:rPr>
               <a:t>https://www.icloud.com/keynote/0VezaUu7103MrY5-2QCzDH62Q</a:t>
             </a:r>
